--- a/src/test/resources/org/sikuli/slides/api/ConfigTwoOptions.pptx
+++ b/src/test/resources/org/sikuli/slides/api/ConfigTwoOptions.pptx
@@ -3581,7 +3581,7 @@
         <p:spPr>
           <a:xfrm>
             <a:off x="1443208" y="1650171"/>
-            <a:ext cx="812692" cy="276999"/>
+            <a:ext cx="262662" cy="276999"/>
           </a:xfrm>
           <a:prstGeom prst="rect">
             <a:avLst/>
@@ -3596,12 +3596,9 @@
           <a:p>
             <a:r>
               <a:rPr lang="en-US" sz="1200" dirty="0" smtClean="0"/>
-              <a:t>Monitor </a:t>
-            </a:r>
-            <a:r>
-              <a:rPr lang="en-US" sz="1200" dirty="0"/>
               <a:t>0</a:t>
             </a:r>
+            <a:endParaRPr lang="en-US" sz="1200" dirty="0"/>
           </a:p>
         </p:txBody>
       </p:sp>
@@ -3651,14 +3648,14 @@
       </p:sp>
       <p:sp>
         <p:nvSpPr>
-          <p:cNvPr id="7" name="TextBox 6"/>
+          <p:cNvPr id="8" name="TextBox 7"/>
           <p:cNvSpPr txBox="1"/>
           <p:nvPr/>
         </p:nvSpPr>
         <p:spPr>
           <a:xfrm>
-            <a:off x="4650385" y="1638642"/>
-            <a:ext cx="1499917" cy="276999"/>
+            <a:off x="2508214" y="1638642"/>
+            <a:ext cx="262662" cy="276999"/>
           </a:xfrm>
           <a:prstGeom prst="rect">
             <a:avLst/>
@@ -3673,30 +3670,22 @@
           <a:p>
             <a:r>
               <a:rPr lang="en-US" sz="1200" dirty="0" smtClean="0"/>
-              <a:t>Monitor (</a:t>
-            </a:r>
-            <a:r>
-              <a:rPr lang="en-US" sz="1200" i="1" dirty="0"/>
-              <a:t>t</a:t>
-            </a:r>
-            <a:r>
-              <a:rPr lang="en-US" sz="1200" i="1" dirty="0" smtClean="0"/>
-              <a:t>ype other)</a:t>
-            </a:r>
-            <a:endParaRPr lang="en-US" sz="1200" i="1" dirty="0"/>
-          </a:p>
-        </p:txBody>
-      </p:sp>
-      <p:sp>
-        <p:nvSpPr>
-          <p:cNvPr id="8" name="TextBox 7"/>
+              <a:t>1</a:t>
+            </a:r>
+            <a:endParaRPr lang="en-US" sz="1200" dirty="0"/>
+          </a:p>
+        </p:txBody>
+      </p:sp>
+      <p:sp>
+        <p:nvSpPr>
+          <p:cNvPr id="9" name="TextBox 8"/>
           <p:cNvSpPr txBox="1"/>
           <p:nvPr/>
         </p:nvSpPr>
         <p:spPr>
           <a:xfrm>
-            <a:off x="2508214" y="1638642"/>
-            <a:ext cx="813043" cy="276999"/>
+            <a:off x="3563868" y="1650171"/>
+            <a:ext cx="262662" cy="276999"/>
           </a:xfrm>
           <a:prstGeom prst="rect">
             <a:avLst/>
@@ -3711,37 +3700,7 @@
           <a:p>
             <a:r>
               <a:rPr lang="en-US" sz="1200" dirty="0" smtClean="0"/>
-              <a:t>Monitor 1</a:t>
-            </a:r>
-            <a:endParaRPr lang="en-US" sz="1200" dirty="0"/>
-          </a:p>
-        </p:txBody>
-      </p:sp>
-      <p:sp>
-        <p:nvSpPr>
-          <p:cNvPr id="9" name="TextBox 8"/>
-          <p:cNvSpPr txBox="1"/>
-          <p:nvPr/>
-        </p:nvSpPr>
-        <p:spPr>
-          <a:xfrm>
-            <a:off x="3563868" y="1650171"/>
-            <a:ext cx="813043" cy="276999"/>
-          </a:xfrm>
-          <a:prstGeom prst="rect">
-            <a:avLst/>
-          </a:prstGeom>
-          <a:noFill/>
-        </p:spPr>
-        <p:txBody>
-          <a:bodyPr wrap="none" rtlCol="0">
-            <a:spAutoFit/>
-          </a:bodyPr>
-          <a:lstStyle/>
-          <a:p>
-            <a:r>
-              <a:rPr lang="en-US" sz="1200" dirty="0" smtClean="0"/>
-              <a:t>Monitor 2</a:t>
+              <a:t>2</a:t>
             </a:r>
             <a:endParaRPr lang="en-US" sz="1200" dirty="0"/>
           </a:p>
